--- a/resources/hw/genomic-data-visualization-HW_0.pptx
+++ b/resources/hw/genomic-data-visualization-HW_0.pptx
@@ -284,7 +284,7 @@
           <a:p>
             <a:fld id="{3B49BF8B-8FD1-1748-B518-B651293E6FA0}" type="datetimeFigureOut">
               <a:rPr lang="en-US" smtClean="0"/>
-              <a:t>1/5/26</a:t>
+              <a:t>1/21/26</a:t>
             </a:fld>
             <a:endParaRPr lang="en-US"/>
           </a:p>
@@ -454,7 +454,7 @@
           <a:p>
             <a:fld id="{3B49BF8B-8FD1-1748-B518-B651293E6FA0}" type="datetimeFigureOut">
               <a:rPr lang="en-US" smtClean="0"/>
-              <a:t>1/5/26</a:t>
+              <a:t>1/21/26</a:t>
             </a:fld>
             <a:endParaRPr lang="en-US"/>
           </a:p>
@@ -634,7 +634,7 @@
           <a:p>
             <a:fld id="{3B49BF8B-8FD1-1748-B518-B651293E6FA0}" type="datetimeFigureOut">
               <a:rPr lang="en-US" smtClean="0"/>
-              <a:t>1/5/26</a:t>
+              <a:t>1/21/26</a:t>
             </a:fld>
             <a:endParaRPr lang="en-US"/>
           </a:p>
@@ -804,7 +804,7 @@
           <a:p>
             <a:fld id="{3B49BF8B-8FD1-1748-B518-B651293E6FA0}" type="datetimeFigureOut">
               <a:rPr lang="en-US" smtClean="0"/>
-              <a:t>1/5/26</a:t>
+              <a:t>1/21/26</a:t>
             </a:fld>
             <a:endParaRPr lang="en-US"/>
           </a:p>
@@ -1064,7 +1064,7 @@
           <a:p>
             <a:fld id="{3B49BF8B-8FD1-1748-B518-B651293E6FA0}" type="datetimeFigureOut">
               <a:rPr lang="en-US" smtClean="0"/>
-              <a:t>1/5/26</a:t>
+              <a:t>1/21/26</a:t>
             </a:fld>
             <a:endParaRPr lang="en-US"/>
           </a:p>
@@ -1296,7 +1296,7 @@
           <a:p>
             <a:fld id="{3B49BF8B-8FD1-1748-B518-B651293E6FA0}" type="datetimeFigureOut">
               <a:rPr lang="en-US" smtClean="0"/>
-              <a:t>1/5/26</a:t>
+              <a:t>1/21/26</a:t>
             </a:fld>
             <a:endParaRPr lang="en-US"/>
           </a:p>
@@ -1651,7 +1651,7 @@
           <a:p>
             <a:fld id="{3B49BF8B-8FD1-1748-B518-B651293E6FA0}" type="datetimeFigureOut">
               <a:rPr lang="en-US" smtClean="0"/>
-              <a:t>1/5/26</a:t>
+              <a:t>1/21/26</a:t>
             </a:fld>
             <a:endParaRPr lang="en-US"/>
           </a:p>
@@ -1792,7 +1792,7 @@
           <a:p>
             <a:fld id="{3B49BF8B-8FD1-1748-B518-B651293E6FA0}" type="datetimeFigureOut">
               <a:rPr lang="en-US" smtClean="0"/>
-              <a:t>1/5/26</a:t>
+              <a:t>1/21/26</a:t>
             </a:fld>
             <a:endParaRPr lang="en-US"/>
           </a:p>
@@ -1887,7 +1887,7 @@
           <a:p>
             <a:fld id="{3B49BF8B-8FD1-1748-B518-B651293E6FA0}" type="datetimeFigureOut">
               <a:rPr lang="en-US" smtClean="0"/>
-              <a:t>1/5/26</a:t>
+              <a:t>1/21/26</a:t>
             </a:fld>
             <a:endParaRPr lang="en-US"/>
           </a:p>
@@ -2244,7 +2244,7 @@
           <a:p>
             <a:fld id="{3B49BF8B-8FD1-1748-B518-B651293E6FA0}" type="datetimeFigureOut">
               <a:rPr lang="en-US" smtClean="0"/>
-              <a:t>1/5/26</a:t>
+              <a:t>1/21/26</a:t>
             </a:fld>
             <a:endParaRPr lang="en-US"/>
           </a:p>
@@ -2562,7 +2562,7 @@
           <a:p>
             <a:fld id="{3B49BF8B-8FD1-1748-B518-B651293E6FA0}" type="datetimeFigureOut">
               <a:rPr lang="en-US" smtClean="0"/>
-              <a:t>1/5/26</a:t>
+              <a:t>1/21/26</a:t>
             </a:fld>
             <a:endParaRPr lang="en-US"/>
           </a:p>
@@ -2807,7 +2807,7 @@
           <a:p>
             <a:fld id="{3B49BF8B-8FD1-1748-B518-B651293E6FA0}" type="datetimeFigureOut">
               <a:rPr lang="en-US" smtClean="0"/>
-              <a:t>1/5/26</a:t>
+              <a:t>1/21/26</a:t>
             </a:fld>
             <a:endParaRPr lang="en-US"/>
           </a:p>
@@ -3313,7 +3313,7 @@
           <a:p>
             <a:r>
               <a:rPr lang="en-US" dirty="0"/>
-              <a:t>Due Wednesday (Midnight Baltimore Time)</a:t>
+              <a:t>Due Thursday (Midnight Baltimore Time)</a:t>
             </a:r>
           </a:p>
         </p:txBody>
@@ -3697,7 +3697,7 @@
             </a:br>
             <a:r>
               <a:rPr lang="en-US" sz="2000" dirty="0"/>
-              <a:t>Due WEDNESDAY (Midnight Baltimore Time)</a:t>
+              <a:t>Due Thursday (Midnight Baltimore Time)</a:t>
             </a:r>
           </a:p>
         </p:txBody>
